--- a/HelloProject/HackUはっぴょう.pptx
+++ b/HelloProject/HackUはっぴょう.pptx
@@ -9,6 +9,8 @@
     <p:sldId id="259" r:id="rId3"/>
     <p:sldId id="260" r:id="rId4"/>
     <p:sldId id="261" r:id="rId5"/>
+    <p:sldId id="262" r:id="rId6"/>
+    <p:sldId id="263" r:id="rId7"/>
   </p:sldIdLst>
   <p:sldSz cx="12192000" cy="6858000"/>
   <p:notesSz cx="6858000" cy="9144000"/>
@@ -311,7 +313,7 @@
             <a:fld id="{B61BEF0D-F0BB-DE4B-95CE-6DB70DBA9567}" type="datetimeFigureOut">
               <a:rPr lang="en-US" dirty="0"/>
               <a:pPr/>
-              <a:t>7/13/2017</a:t>
+              <a:t>7/14/2017</a:t>
             </a:fld>
             <a:endParaRPr lang="en-US" dirty="0"/>
           </a:p>
@@ -744,7 +746,7 @@
             <a:fld id="{B61BEF0D-F0BB-DE4B-95CE-6DB70DBA9567}" type="datetimeFigureOut">
               <a:rPr lang="en-US" dirty="0"/>
               <a:pPr/>
-              <a:t>7/13/2017</a:t>
+              <a:t>7/14/2017</a:t>
             </a:fld>
             <a:endParaRPr lang="en-US" dirty="0"/>
           </a:p>
@@ -991,7 +993,7 @@
             <a:fld id="{B61BEF0D-F0BB-DE4B-95CE-6DB70DBA9567}" type="datetimeFigureOut">
               <a:rPr lang="en-US" dirty="0"/>
               <a:pPr/>
-              <a:t>7/13/2017</a:t>
+              <a:t>7/14/2017</a:t>
             </a:fld>
             <a:endParaRPr lang="en-US" dirty="0"/>
           </a:p>
@@ -1296,7 +1298,7 @@
             <a:fld id="{B61BEF0D-F0BB-DE4B-95CE-6DB70DBA9567}" type="datetimeFigureOut">
               <a:rPr lang="en-US" dirty="0"/>
               <a:pPr/>
-              <a:t>7/13/2017</a:t>
+              <a:t>7/14/2017</a:t>
             </a:fld>
             <a:endParaRPr lang="en-US" dirty="0"/>
           </a:p>
@@ -1611,7 +1613,7 @@
             <a:fld id="{B61BEF0D-F0BB-DE4B-95CE-6DB70DBA9567}" type="datetimeFigureOut">
               <a:rPr lang="en-US" dirty="0"/>
               <a:pPr/>
-              <a:t>7/13/2017</a:t>
+              <a:t>7/14/2017</a:t>
             </a:fld>
             <a:endParaRPr lang="en-US" dirty="0"/>
           </a:p>
@@ -1910,7 +1912,7 @@
             <a:fld id="{B61BEF0D-F0BB-DE4B-95CE-6DB70DBA9567}" type="datetimeFigureOut">
               <a:rPr lang="en-US" dirty="0"/>
               <a:pPr/>
-              <a:t>7/13/2017</a:t>
+              <a:t>7/14/2017</a:t>
             </a:fld>
             <a:endParaRPr lang="en-US" dirty="0"/>
           </a:p>
@@ -2274,7 +2276,7 @@
             <a:fld id="{B61BEF0D-F0BB-DE4B-95CE-6DB70DBA9567}" type="datetimeFigureOut">
               <a:rPr lang="en-US" dirty="0"/>
               <a:pPr/>
-              <a:t>7/13/2017</a:t>
+              <a:t>7/14/2017</a:t>
             </a:fld>
             <a:endParaRPr lang="en-US" dirty="0"/>
           </a:p>
@@ -2477,7 +2479,7 @@
             <a:fld id="{B61BEF0D-F0BB-DE4B-95CE-6DB70DBA9567}" type="datetimeFigureOut">
               <a:rPr lang="en-US" dirty="0"/>
               <a:pPr/>
-              <a:t>7/13/2017</a:t>
+              <a:t>7/14/2017</a:t>
             </a:fld>
             <a:endParaRPr lang="en-US" dirty="0"/>
           </a:p>
@@ -2686,7 +2688,7 @@
             <a:fld id="{B61BEF0D-F0BB-DE4B-95CE-6DB70DBA9567}" type="datetimeFigureOut">
               <a:rPr lang="en-US" dirty="0"/>
               <a:pPr/>
-              <a:t>7/13/2017</a:t>
+              <a:t>7/14/2017</a:t>
             </a:fld>
             <a:endParaRPr lang="en-US" dirty="0"/>
           </a:p>
@@ -2885,7 +2887,7 @@
             <a:fld id="{B61BEF0D-F0BB-DE4B-95CE-6DB70DBA9567}" type="datetimeFigureOut">
               <a:rPr lang="en-US" dirty="0"/>
               <a:pPr/>
-              <a:t>7/13/2017</a:t>
+              <a:t>7/14/2017</a:t>
             </a:fld>
             <a:endParaRPr lang="en-US" dirty="0"/>
           </a:p>
@@ -3132,7 +3134,7 @@
             <a:fld id="{B61BEF0D-F0BB-DE4B-95CE-6DB70DBA9567}" type="datetimeFigureOut">
               <a:rPr lang="en-US" dirty="0"/>
               <a:pPr/>
-              <a:t>7/13/2017</a:t>
+              <a:t>7/14/2017</a:t>
             </a:fld>
             <a:endParaRPr lang="en-US" dirty="0"/>
           </a:p>
@@ -3429,7 +3431,7 @@
             <a:fld id="{B61BEF0D-F0BB-DE4B-95CE-6DB70DBA9567}" type="datetimeFigureOut">
               <a:rPr lang="en-US" dirty="0"/>
               <a:pPr/>
-              <a:t>7/13/2017</a:t>
+              <a:t>7/14/2017</a:t>
             </a:fld>
             <a:endParaRPr lang="en-US" dirty="0"/>
           </a:p>
@@ -3872,7 +3874,7 @@
             <a:fld id="{B61BEF0D-F0BB-DE4B-95CE-6DB70DBA9567}" type="datetimeFigureOut">
               <a:rPr lang="en-US" dirty="0"/>
               <a:pPr/>
-              <a:t>7/13/2017</a:t>
+              <a:t>7/14/2017</a:t>
             </a:fld>
             <a:endParaRPr lang="en-US" dirty="0"/>
           </a:p>
@@ -3987,7 +3989,7 @@
             <a:fld id="{B61BEF0D-F0BB-DE4B-95CE-6DB70DBA9567}" type="datetimeFigureOut">
               <a:rPr lang="en-US" dirty="0"/>
               <a:pPr/>
-              <a:t>7/13/2017</a:t>
+              <a:t>7/14/2017</a:t>
             </a:fld>
             <a:endParaRPr lang="en-US" dirty="0"/>
           </a:p>
@@ -4079,7 +4081,7 @@
             <a:fld id="{B61BEF0D-F0BB-DE4B-95CE-6DB70DBA9567}" type="datetimeFigureOut">
               <a:rPr lang="en-US" dirty="0"/>
               <a:pPr/>
-              <a:t>7/13/2017</a:t>
+              <a:t>7/14/2017</a:t>
             </a:fld>
             <a:endParaRPr lang="en-US" dirty="0"/>
           </a:p>
@@ -4363,7 +4365,7 @@
             <a:fld id="{B61BEF0D-F0BB-DE4B-95CE-6DB70DBA9567}" type="datetimeFigureOut">
               <a:rPr lang="en-US" dirty="0"/>
               <a:pPr/>
-              <a:t>7/13/2017</a:t>
+              <a:t>7/14/2017</a:t>
             </a:fld>
             <a:endParaRPr lang="en-US" dirty="0"/>
           </a:p>
@@ -4643,7 +4645,7 @@
             <a:fld id="{B61BEF0D-F0BB-DE4B-95CE-6DB70DBA9567}" type="datetimeFigureOut">
               <a:rPr lang="en-US" dirty="0"/>
               <a:pPr/>
-              <a:t>7/13/2017</a:t>
+              <a:t>7/14/2017</a:t>
             </a:fld>
             <a:endParaRPr lang="en-US" dirty="0"/>
           </a:p>
@@ -5078,7 +5080,7 @@
             <a:fld id="{B61BEF0D-F0BB-DE4B-95CE-6DB70DBA9567}" type="datetimeFigureOut">
               <a:rPr lang="en-US" dirty="0"/>
               <a:pPr/>
-              <a:t>7/13/2017</a:t>
+              <a:t>7/14/2017</a:t>
             </a:fld>
             <a:endParaRPr lang="en-US" dirty="0"/>
           </a:p>
@@ -5944,8 +5946,8 @@
         </p:nvSpPr>
         <p:spPr>
           <a:xfrm>
-            <a:off x="4059179" y="2525528"/>
-            <a:ext cx="4070668" cy="1507067"/>
+            <a:off x="2322657" y="2525528"/>
+            <a:ext cx="6267669" cy="1507067"/>
           </a:xfrm>
         </p:spPr>
         <p:txBody>
@@ -5956,7 +5958,7 @@
           <a:p>
             <a:r>
               <a:rPr kumimoji="1" lang="ja-JP" altLang="en-US" sz="7200" dirty="0"/>
-              <a:t>それなら</a:t>
+              <a:t>それなら！</a:t>
             </a:r>
           </a:p>
         </p:txBody>
@@ -6120,6 +6122,176 @@
     <p:extLst>
       <p:ext uri="{BB962C8B-B14F-4D97-AF65-F5344CB8AC3E}">
         <p14:creationId xmlns:p14="http://schemas.microsoft.com/office/powerpoint/2010/main" val="3414320722"/>
+      </p:ext>
+    </p:extLst>
+  </p:cSld>
+  <p:clrMapOvr>
+    <a:masterClrMapping/>
+  </p:clrMapOvr>
+</p:sld>
+</file>
+
+<file path=ppt/slides/slide5.xml><?xml version="1.0" encoding="utf-8"?>
+<p:sld xmlns:a="http://schemas.openxmlformats.org/drawingml/2006/main" xmlns:r="http://schemas.openxmlformats.org/officeDocument/2006/relationships" xmlns:p="http://schemas.openxmlformats.org/presentationml/2006/main">
+  <p:cSld>
+    <p:spTree>
+      <p:nvGrpSpPr>
+        <p:cNvPr id="1" name=""/>
+        <p:cNvGrpSpPr/>
+        <p:nvPr/>
+      </p:nvGrpSpPr>
+      <p:grpSpPr>
+        <a:xfrm>
+          <a:off x="0" y="0"/>
+          <a:ext cx="0" cy="0"/>
+          <a:chOff x="0" y="0"/>
+          <a:chExt cx="0" cy="0"/>
+        </a:xfrm>
+      </p:grpSpPr>
+      <p:sp>
+        <p:nvSpPr>
+          <p:cNvPr id="2" name="タイトル 1">
+            <a:extLst>
+              <a:ext uri="{FF2B5EF4-FFF2-40B4-BE49-F238E27FC236}">
+                <a16:creationId xmlns:a16="http://schemas.microsoft.com/office/drawing/2014/main" id="{706B0D00-2702-41DB-B80A-8BE393B68215}"/>
+              </a:ext>
+            </a:extLst>
+          </p:cNvPr>
+          <p:cNvSpPr>
+            <a:spLocks noGrp="1"/>
+          </p:cNvSpPr>
+          <p:nvPr>
+            <p:ph type="title"/>
+          </p:nvPr>
+        </p:nvSpPr>
+        <p:spPr>
+          <a:xfrm>
+            <a:off x="684211" y="96676"/>
+            <a:ext cx="20384559" cy="3599655"/>
+          </a:xfrm>
+        </p:spPr>
+        <p:txBody>
+          <a:bodyPr/>
+          <a:lstStyle/>
+          <a:p>
+            <a:br>
+              <a:rPr kumimoji="1" lang="en-US" altLang="ja-JP" dirty="0"/>
+            </a:br>
+            <a:endParaRPr kumimoji="1" lang="ja-JP" altLang="en-US" dirty="0"/>
+          </a:p>
+        </p:txBody>
+      </p:sp>
+      <p:sp>
+        <p:nvSpPr>
+          <p:cNvPr id="3" name="テキスト ボックス 2">
+            <a:extLst>
+              <a:ext uri="{FF2B5EF4-FFF2-40B4-BE49-F238E27FC236}">
+                <a16:creationId xmlns:a16="http://schemas.microsoft.com/office/drawing/2014/main" id="{44709FB0-B5DC-4512-8B48-960AD115D082}"/>
+              </a:ext>
+            </a:extLst>
+          </p:cNvPr>
+          <p:cNvSpPr txBox="1"/>
+          <p:nvPr/>
+        </p:nvSpPr>
+        <p:spPr>
+          <a:xfrm>
+            <a:off x="905855" y="2773001"/>
+            <a:ext cx="10605331" cy="923330"/>
+          </a:xfrm>
+          <a:prstGeom prst="rect">
+            <a:avLst/>
+          </a:prstGeom>
+          <a:noFill/>
+        </p:spPr>
+        <p:txBody>
+          <a:bodyPr wrap="square" rtlCol="0">
+            <a:spAutoFit/>
+          </a:bodyPr>
+          <a:lstStyle/>
+          <a:p>
+            <a:r>
+              <a:rPr kumimoji="1" lang="ja-JP" altLang="en-US" sz="5400" dirty="0"/>
+              <a:t>そんな技術力はない</a:t>
+            </a:r>
+          </a:p>
+        </p:txBody>
+      </p:sp>
+    </p:spTree>
+    <p:extLst>
+      <p:ext uri="{BB962C8B-B14F-4D97-AF65-F5344CB8AC3E}">
+        <p14:creationId xmlns:p14="http://schemas.microsoft.com/office/powerpoint/2010/main" val="2123905910"/>
+      </p:ext>
+    </p:extLst>
+  </p:cSld>
+  <p:clrMapOvr>
+    <a:masterClrMapping/>
+  </p:clrMapOvr>
+  <mc:AlternateContent xmlns:mc="http://schemas.openxmlformats.org/markup-compatibility/2006">
+    <mc:Choice xmlns:p15="http://schemas.microsoft.com/office/powerpoint/2012/main" Requires="p15">
+      <p:transition xmlns:p14="http://schemas.microsoft.com/office/powerpoint/2010/main" spd="slow" p14:dur="2000">
+        <p15:prstTrans prst="fracture"/>
+      </p:transition>
+    </mc:Choice>
+    <mc:Fallback>
+      <p:transition spd="slow">
+        <p:fade/>
+      </p:transition>
+    </mc:Fallback>
+  </mc:AlternateContent>
+</p:sld>
+</file>
+
+<file path=ppt/slides/slide6.xml><?xml version="1.0" encoding="utf-8"?>
+<p:sld xmlns:a="http://schemas.openxmlformats.org/drawingml/2006/main" xmlns:r="http://schemas.openxmlformats.org/officeDocument/2006/relationships" xmlns:p="http://schemas.openxmlformats.org/presentationml/2006/main">
+  <p:cSld>
+    <p:spTree>
+      <p:nvGrpSpPr>
+        <p:cNvPr id="1" name=""/>
+        <p:cNvGrpSpPr/>
+        <p:nvPr/>
+      </p:nvGrpSpPr>
+      <p:grpSpPr>
+        <a:xfrm>
+          <a:off x="0" y="0"/>
+          <a:ext cx="0" cy="0"/>
+          <a:chOff x="0" y="0"/>
+          <a:chExt cx="0" cy="0"/>
+        </a:xfrm>
+      </p:grpSpPr>
+      <p:sp>
+        <p:nvSpPr>
+          <p:cNvPr id="2" name="タイトル 1">
+            <a:extLst>
+              <a:ext uri="{FF2B5EF4-FFF2-40B4-BE49-F238E27FC236}">
+                <a16:creationId xmlns:a16="http://schemas.microsoft.com/office/drawing/2014/main" id="{7CA1ABF1-6BA5-439F-976F-5A74BF5F7D93}"/>
+              </a:ext>
+            </a:extLst>
+          </p:cNvPr>
+          <p:cNvSpPr>
+            <a:spLocks noGrp="1"/>
+          </p:cNvSpPr>
+          <p:nvPr>
+            <p:ph type="title"/>
+          </p:nvPr>
+        </p:nvSpPr>
+        <p:spPr>
+          <a:xfrm>
+            <a:off x="684212" y="2566253"/>
+            <a:ext cx="8534400" cy="1507067"/>
+          </a:xfrm>
+        </p:spPr>
+        <p:txBody>
+          <a:bodyPr/>
+          <a:lstStyle/>
+          <a:p>
+            <a:endParaRPr kumimoji="1" lang="ja-JP" altLang="en-US"/>
+          </a:p>
+        </p:txBody>
+      </p:sp>
+    </p:spTree>
+    <p:extLst>
+      <p:ext uri="{BB962C8B-B14F-4D97-AF65-F5344CB8AC3E}">
+        <p14:creationId xmlns:p14="http://schemas.microsoft.com/office/powerpoint/2010/main" val="2930093103"/>
       </p:ext>
     </p:extLst>
   </p:cSld>
